--- a/InfoSec/PPTs/L0-Introduction.pptx
+++ b/InfoSec/PPTs/L0-Introduction.pptx
@@ -5,10 +5,10 @@
     <p:sldMasterId id="2147483870" r:id="rId1"/>
   </p:sldMasterIdLst>
   <p:notesMasterIdLst>
-    <p:notesMasterId r:id="rId9"/>
+    <p:notesMasterId r:id="rId8"/>
   </p:notesMasterIdLst>
   <p:handoutMasterIdLst>
-    <p:handoutMasterId r:id="rId10"/>
+    <p:handoutMasterId r:id="rId9"/>
   </p:handoutMasterIdLst>
   <p:sldIdLst>
     <p:sldId id="383" r:id="rId2"/>
@@ -17,7 +17,6 @@
     <p:sldId id="411" r:id="rId5"/>
     <p:sldId id="388" r:id="rId6"/>
     <p:sldId id="409" r:id="rId7"/>
-    <p:sldId id="410" r:id="rId8"/>
   </p:sldIdLst>
   <p:sldSz cx="9144000" cy="6858000" type="screen4x3"/>
   <p:notesSz cx="6858000" cy="9144000"/>
@@ -262,7 +261,7 @@
             <a:fld id="{999DDEF9-8F79-3F4A-8C1A-CB2E900DCD92}" type="datetimeFigureOut">
               <a:rPr lang="en-US" smtClean="0"/>
               <a:pPr/>
-              <a:t>4/21/2020</a:t>
+              <a:t>5/4/2021</a:t>
             </a:fld>
             <a:endParaRPr lang="en-US"/>
           </a:p>
@@ -2914,31 +2913,6 @@
       </p:sp>
       <p:sp>
         <p:nvSpPr>
-          <p:cNvPr id="2" name="Subtitle 1">
-            <a:extLst>
-              <a:ext uri="{FF2B5EF4-FFF2-40B4-BE49-F238E27FC236}">
-                <a16:creationId xmlns:a16="http://schemas.microsoft.com/office/drawing/2014/main" id="{560E7404-A295-4C7A-A4FD-02F555968587}"/>
-              </a:ext>
-            </a:extLst>
-          </p:cNvPr>
-          <p:cNvSpPr>
-            <a:spLocks noGrp="1"/>
-          </p:cNvSpPr>
-          <p:nvPr>
-            <p:ph type="subTitle" idx="1"/>
-          </p:nvPr>
-        </p:nvSpPr>
-        <p:spPr/>
-        <p:txBody>
-          <a:bodyPr/>
-          <a:lstStyle/>
-          <a:p>
-            <a:endParaRPr lang="en-SE"/>
-          </a:p>
-        </p:txBody>
-      </p:sp>
-      <p:sp>
-        <p:nvSpPr>
           <p:cNvPr id="7" name="TextBox 6"/>
           <p:cNvSpPr txBox="1"/>
           <p:nvPr/>
@@ -2960,6 +2934,190 @@
           <a:lstStyle/>
           <a:p>
             <a:endParaRPr lang="en-US" dirty="0"/>
+          </a:p>
+        </p:txBody>
+      </p:sp>
+      <p:sp>
+        <p:nvSpPr>
+          <p:cNvPr id="5" name="Subtitle 3">
+            <a:extLst>
+              <a:ext uri="{FF2B5EF4-FFF2-40B4-BE49-F238E27FC236}">
+                <a16:creationId xmlns:a16="http://schemas.microsoft.com/office/drawing/2014/main" id="{51DB4D5B-8360-4951-803D-D3C715AAC413}"/>
+              </a:ext>
+            </a:extLst>
+          </p:cNvPr>
+          <p:cNvSpPr txBox="1">
+            <a:spLocks/>
+          </p:cNvSpPr>
+          <p:nvPr/>
+        </p:nvSpPr>
+        <p:spPr bwMode="auto">
+          <a:xfrm>
+            <a:off x="1444535" y="4653136"/>
+            <a:ext cx="6400800" cy="1129680"/>
+          </a:xfrm>
+          <a:prstGeom prst="rect">
+            <a:avLst/>
+          </a:prstGeom>
+          <a:noFill/>
+          <a:ln w="9525">
+            <a:noFill/>
+            <a:miter lim="800000"/>
+            <a:headEnd/>
+            <a:tailEnd/>
+          </a:ln>
+        </p:spPr>
+        <p:txBody>
+          <a:bodyPr vert="horz" wrap="square" lIns="91440" tIns="45720" rIns="91440" bIns="45720" numCol="1" anchor="t" anchorCtr="0" compatLnSpc="1">
+            <a:prstTxWarp prst="textNoShape">
+              <a:avLst/>
+            </a:prstTxWarp>
+          </a:bodyPr>
+          <a:lstStyle>
+            <a:lvl1pPr marL="0" indent="0" algn="ctr" rtl="0" eaLnBrk="0" fontAlgn="base" hangingPunct="0">
+              <a:spcBef>
+                <a:spcPct val="20000"/>
+              </a:spcBef>
+              <a:spcAft>
+                <a:spcPct val="0"/>
+              </a:spcAft>
+              <a:buNone/>
+              <a:defRPr sz="3200">
+                <a:solidFill>
+                  <a:schemeClr val="tx1"/>
+                </a:solidFill>
+                <a:latin typeface="+mn-lt"/>
+                <a:ea typeface="+mn-ea"/>
+                <a:cs typeface="+mn-cs"/>
+              </a:defRPr>
+            </a:lvl1pPr>
+            <a:lvl2pPr marL="457200" indent="0" algn="ctr" rtl="0" eaLnBrk="0" fontAlgn="base" hangingPunct="0">
+              <a:spcBef>
+                <a:spcPct val="20000"/>
+              </a:spcBef>
+              <a:spcAft>
+                <a:spcPct val="0"/>
+              </a:spcAft>
+              <a:buNone/>
+              <a:defRPr sz="2800">
+                <a:solidFill>
+                  <a:schemeClr val="tx1"/>
+                </a:solidFill>
+                <a:latin typeface="+mn-lt"/>
+              </a:defRPr>
+            </a:lvl2pPr>
+            <a:lvl3pPr marL="914400" indent="0" algn="ctr" rtl="0" eaLnBrk="0" fontAlgn="base" hangingPunct="0">
+              <a:spcBef>
+                <a:spcPct val="20000"/>
+              </a:spcBef>
+              <a:spcAft>
+                <a:spcPct val="0"/>
+              </a:spcAft>
+              <a:buNone/>
+              <a:defRPr sz="2400">
+                <a:solidFill>
+                  <a:schemeClr val="tx1"/>
+                </a:solidFill>
+                <a:latin typeface="+mn-lt"/>
+              </a:defRPr>
+            </a:lvl3pPr>
+            <a:lvl4pPr marL="1371600" indent="0" algn="ctr" rtl="0" eaLnBrk="0" fontAlgn="base" hangingPunct="0">
+              <a:spcBef>
+                <a:spcPct val="20000"/>
+              </a:spcBef>
+              <a:spcAft>
+                <a:spcPct val="0"/>
+              </a:spcAft>
+              <a:buNone/>
+              <a:defRPr sz="2000">
+                <a:solidFill>
+                  <a:schemeClr val="tx1"/>
+                </a:solidFill>
+                <a:latin typeface="+mn-lt"/>
+              </a:defRPr>
+            </a:lvl4pPr>
+            <a:lvl5pPr marL="1828800" indent="0" algn="ctr" rtl="0" eaLnBrk="0" fontAlgn="base" hangingPunct="0">
+              <a:spcBef>
+                <a:spcPct val="20000"/>
+              </a:spcBef>
+              <a:spcAft>
+                <a:spcPct val="0"/>
+              </a:spcAft>
+              <a:buNone/>
+              <a:defRPr sz="2000">
+                <a:solidFill>
+                  <a:schemeClr val="tx1"/>
+                </a:solidFill>
+                <a:latin typeface="+mn-lt"/>
+              </a:defRPr>
+            </a:lvl5pPr>
+            <a:lvl6pPr marL="2286000" indent="0" algn="ctr" rtl="0" fontAlgn="base">
+              <a:spcBef>
+                <a:spcPct val="20000"/>
+              </a:spcBef>
+              <a:spcAft>
+                <a:spcPct val="0"/>
+              </a:spcAft>
+              <a:buNone/>
+              <a:defRPr sz="2000">
+                <a:solidFill>
+                  <a:schemeClr val="tx1"/>
+                </a:solidFill>
+                <a:latin typeface="+mn-lt"/>
+              </a:defRPr>
+            </a:lvl6pPr>
+            <a:lvl7pPr marL="2743200" indent="0" algn="ctr" rtl="0" fontAlgn="base">
+              <a:spcBef>
+                <a:spcPct val="20000"/>
+              </a:spcBef>
+              <a:spcAft>
+                <a:spcPct val="0"/>
+              </a:spcAft>
+              <a:buNone/>
+              <a:defRPr sz="2000">
+                <a:solidFill>
+                  <a:schemeClr val="tx1"/>
+                </a:solidFill>
+                <a:latin typeface="+mn-lt"/>
+              </a:defRPr>
+            </a:lvl7pPr>
+            <a:lvl8pPr marL="3200400" indent="0" algn="ctr" rtl="0" fontAlgn="base">
+              <a:spcBef>
+                <a:spcPct val="20000"/>
+              </a:spcBef>
+              <a:spcAft>
+                <a:spcPct val="0"/>
+              </a:spcAft>
+              <a:buNone/>
+              <a:defRPr sz="2000">
+                <a:solidFill>
+                  <a:schemeClr val="tx1"/>
+                </a:solidFill>
+                <a:latin typeface="+mn-lt"/>
+              </a:defRPr>
+            </a:lvl8pPr>
+            <a:lvl9pPr marL="3657600" indent="0" algn="ctr" rtl="0" fontAlgn="base">
+              <a:spcBef>
+                <a:spcPct val="20000"/>
+              </a:spcBef>
+              <a:spcAft>
+                <a:spcPct val="0"/>
+              </a:spcAft>
+              <a:buNone/>
+              <a:defRPr sz="2000">
+                <a:solidFill>
+                  <a:schemeClr val="tx1"/>
+                </a:solidFill>
+                <a:latin typeface="+mn-lt"/>
+              </a:defRPr>
+            </a:lvl9pPr>
+          </a:lstStyle>
+          <a:p>
+            <a:r>
+              <a:rPr lang="en-US" kern="0" dirty="0"/>
+              <a:t>ZJU 2021</a:t>
+            </a:r>
+            <a:endParaRPr lang="en-SE" kern="0" dirty="0"/>
           </a:p>
         </p:txBody>
       </p:sp>
@@ -3035,31 +3193,27 @@
         </p:nvSpPr>
         <p:spPr/>
         <p:txBody>
-          <a:bodyPr/>
+          <a:bodyPr>
+            <a:normAutofit/>
+          </a:bodyPr>
           <a:lstStyle/>
           <a:p>
             <a:r>
               <a:rPr lang="en-US" altLang="zh-CN" dirty="0"/>
-              <a:t>Prof Gu: Thu 1-4 (8:00–11:25am)</a:t>
+              <a:t>Lectures: Tue 3-4 (9:50-11:25), Thu 1-2 (8:00-9:35)</a:t>
             </a:r>
           </a:p>
           <a:p>
             <a:r>
               <a:rPr lang="en-US" altLang="zh-CN" dirty="0"/>
-              <a:t>Prof. Han: Tue 3-4 (9:50–11:25am), Thu 1-2 (8:00-9:35)</a:t>
-            </a:r>
-          </a:p>
-          <a:p>
-            <a:r>
-              <a:rPr lang="en-US" altLang="zh-CN" dirty="0"/>
-              <a:t>Website for PPTs and Lab sections: </a:t>
-            </a:r>
+              <a:t>Course website:</a:t>
+            </a:r>
+          </a:p>
+          <a:p>
             <a:r>
               <a:rPr lang="en-US" altLang="zh-CN" u="sng" dirty="0"/>
-              <a:t>https://gulaoshi.github.io/InfoSec/</a:t>
-            </a:r>
-          </a:p>
-          <a:p>
+              <a:t>https://gulaoshi.github.io/gu.github.io/InfoSec/</a:t>
+            </a:r>
             <a:endParaRPr lang="zh-CN" altLang="zh-CN" dirty="0"/>
           </a:p>
           <a:p>
@@ -3102,36 +3256,6 @@
           </a:p>
         </p:txBody>
       </p:sp>
-      <p:pic>
-        <p:nvPicPr>
-          <p:cNvPr id="5" name="Picture 4">
-            <a:extLst>
-              <a:ext uri="{FF2B5EF4-FFF2-40B4-BE49-F238E27FC236}">
-                <a16:creationId xmlns:a16="http://schemas.microsoft.com/office/drawing/2014/main" id="{445C0D40-CF82-4B63-B763-E53962C25E0C}"/>
-              </a:ext>
-            </a:extLst>
-          </p:cNvPr>
-          <p:cNvPicPr>
-            <a:picLocks noChangeAspect="1"/>
-          </p:cNvPicPr>
-          <p:nvPr/>
-        </p:nvPicPr>
-        <p:blipFill>
-          <a:blip r:embed="rId3"/>
-          <a:stretch>
-            <a:fillRect/>
-          </a:stretch>
-        </p:blipFill>
-        <p:spPr>
-          <a:xfrm>
-            <a:off x="1001345" y="4384974"/>
-            <a:ext cx="7141309" cy="2267298"/>
-          </a:xfrm>
-          <a:prstGeom prst="rect">
-            <a:avLst/>
-          </a:prstGeom>
-        </p:spPr>
-      </p:pic>
     </p:spTree>
     <p:extLst>
       <p:ext uri="{BB962C8B-B14F-4D97-AF65-F5344CB8AC3E}">
@@ -3178,8 +3302,8 @@
           <a:lstStyle/>
           <a:p>
             <a:r>
-              <a:rPr lang="en-US" altLang="zh-CN" dirty="0"/>
-              <a:t>Course Topics</a:t>
+              <a:rPr lang="en-US" altLang="zh-CN"/>
+              <a:t>Lectures</a:t>
             </a:r>
             <a:endParaRPr lang="zh-CN" altLang="en-US" dirty="0"/>
           </a:p>
@@ -3198,7 +3322,7 @@
         <p:spPr/>
         <p:txBody>
           <a:bodyPr>
-            <a:normAutofit fontScale="85000" lnSpcReduction="20000"/>
+            <a:normAutofit/>
           </a:bodyPr>
           <a:lstStyle/>
           <a:p>
@@ -3207,26 +3331,25 @@
               <a:t>Textbook: COMPUTER SECURITY: PRINCIPLES AND PRACTICE, WILLIAM STALLINGS (electronic copy in </a:t>
             </a:r>
             <a:r>
-              <a:rPr lang="zh-CN" altLang="en-US"/>
+              <a:rPr lang="zh-CN" altLang="en-US" dirty="0"/>
               <a:t>钉钉群</a:t>
             </a:r>
             <a:r>
-              <a:rPr lang="en-US" altLang="zh-CN"/>
+              <a:rPr lang="en-US" altLang="zh-CN" dirty="0"/>
               <a:t>)</a:t>
             </a:r>
-            <a:endParaRPr lang="en-US" altLang="zh-CN" dirty="0"/>
           </a:p>
           <a:p>
             <a:pPr lvl="1"/>
             <a:r>
               <a:rPr lang="en-US" altLang="zh-CN" dirty="0"/>
-              <a:t>Reading textbook is recommended, but not strictly necessary</a:t>
+              <a:t>Reading textbook is recommended, but not necessary</a:t>
             </a:r>
           </a:p>
           <a:p>
             <a:r>
               <a:rPr lang="en-US" altLang="zh-CN" dirty="0"/>
-              <a:t>All teaching materials in English, but instruction is in Chinese (</a:t>
+              <a:t>Teaching materials in English, instruction in Chinese (</a:t>
             </a:r>
             <a:r>
               <a:rPr lang="zh-CN" altLang="en-US" dirty="0"/>
@@ -3240,17 +3363,13 @@
           <a:p>
             <a:r>
               <a:rPr lang="en-US" altLang="zh-CN" dirty="0"/>
-              <a:t>Lecture topics:</a:t>
-            </a:r>
-          </a:p>
-          <a:p>
-            <a:pPr lvl="1"/>
-            <a:r>
-              <a:rPr lang="en-US" altLang="zh-CN" dirty="0"/>
-              <a:t>Cryptographic Tools; User Authentication; Access Control; Database Security; Malicious Software; Denial-of-Service Attacks; Intrusion Detection; Firewalls and Intrusion Prevention Systems; Buffer Overflow; Software Security; Operating System Security; Trusted Computing and Multilevel Security</a:t>
-            </a:r>
-          </a:p>
-          <a:p>
+              <a:t>Lecture topics: see website</a:t>
+            </a:r>
+          </a:p>
+          <a:p>
+            <a:pPr marL="0" indent="0">
+              <a:buNone/>
+            </a:pPr>
             <a:endParaRPr lang="en-US" altLang="zh-CN" dirty="0"/>
           </a:p>
           <a:p>
@@ -3357,46 +3476,87 @@
             <p:ph idx="1"/>
           </p:nvPr>
         </p:nvSpPr>
-        <p:spPr/>
+        <p:spPr>
+          <a:xfrm>
+            <a:off x="323528" y="1196752"/>
+            <a:ext cx="8568952" cy="5472607"/>
+          </a:xfrm>
+        </p:spPr>
         <p:txBody>
           <a:bodyPr>
-            <a:normAutofit fontScale="92500" lnSpcReduction="20000"/>
+            <a:normAutofit fontScale="85000" lnSpcReduction="20000"/>
           </a:bodyPr>
           <a:lstStyle/>
           <a:p>
             <a:r>
               <a:rPr lang="en-US" altLang="zh-CN" dirty="0"/>
-              <a:t>A total of 7 to 8 lab sections</a:t>
+              <a:t>Labs: Wed 7-8 (14:05-15:40) </a:t>
+            </a:r>
+            <a:r>
+              <a:rPr lang="zh-CN" altLang="en-US" dirty="0"/>
+              <a:t>玉泉曹光彪西</a:t>
+            </a:r>
+            <a:r>
+              <a:rPr lang="en-US" altLang="zh-CN" dirty="0"/>
+              <a:t>-503 </a:t>
             </a:r>
           </a:p>
           <a:p>
             <a:pPr lvl="1"/>
             <a:r>
+              <a:rPr lang="zh-CN" altLang="en-US" dirty="0"/>
+              <a:t>根据往年经验，大多数学生在自己电脑上完成实验，基本没人来实验室，答疑主要在钉钉群中进行。但是实验时间段助教还是会在实验室答疑。</a:t>
+            </a:r>
+            <a:endParaRPr lang="en-US" altLang="zh-CN" dirty="0"/>
+          </a:p>
+          <a:p>
+            <a:r>
               <a:rPr lang="en-US" altLang="zh-CN" dirty="0"/>
-              <a:t>One lab every week, due on every Thursday midnight (except the 1</a:t>
-            </a:r>
-            <a:r>
-              <a:rPr lang="en-US" altLang="zh-CN" baseline="30000" dirty="0"/>
-              <a:t>st</a:t>
-            </a:r>
+              <a:t>A total of 6 lab sections</a:t>
+            </a:r>
+          </a:p>
+          <a:p>
+            <a:pPr lvl="1"/>
             <a:r>
               <a:rPr lang="en-US" altLang="zh-CN" dirty="0"/>
-              <a:t> week)</a:t>
+              <a:t>One lab every week, due on every </a:t>
+            </a:r>
+            <a:r>
+              <a:rPr lang="en-US" altLang="zh-CN" dirty="0">
+                <a:solidFill>
+                  <a:srgbClr val="FF0000"/>
+                </a:solidFill>
+              </a:rPr>
+              <a:t>Wed</a:t>
+            </a:r>
+            <a:r>
+              <a:rPr lang="en-US" altLang="zh-CN" dirty="0"/>
+              <a:t> midnight </a:t>
             </a:r>
           </a:p>
           <a:p>
             <a:pPr lvl="1"/>
             <a:r>
+              <a:rPr lang="en-US" altLang="zh-CN">
+                <a:solidFill>
+                  <a:srgbClr val="FF0000"/>
+                </a:solidFill>
+              </a:rPr>
+              <a:t>First Lab, May 12 </a:t>
+            </a:r>
+            <a:r>
+              <a:rPr lang="en-US" altLang="zh-CN"/>
+              <a:t>(</a:t>
+            </a:r>
+            <a:r>
               <a:rPr lang="en-US" altLang="zh-CN" dirty="0"/>
-              <a:t>Lab sections may be subject to change. If you like to work ahead, please do not work ahead more than 2 weeks</a:t>
-            </a:r>
-          </a:p>
-          <a:p>
-            <a:pPr lvl="1"/>
-            <a:r>
-              <a:rPr lang="en-US" altLang="zh-CN" dirty="0"/>
-              <a:t>Harder labs may be assigned more grades</a:t>
-            </a:r>
+              <a:t>Lab 0 is setting up the lab environment on your laptop computer, with no points and no due </a:t>
+            </a:r>
+            <a:r>
+              <a:rPr lang="en-US" altLang="zh-CN"/>
+              <a:t>date.)</a:t>
+            </a:r>
+            <a:endParaRPr lang="en-US" altLang="zh-CN" dirty="0"/>
           </a:p>
           <a:p>
             <a:r>
@@ -3421,7 +3581,27 @@
             <a:pPr lvl="1"/>
             <a:r>
               <a:rPr lang="en-US" altLang="zh-CN" dirty="0"/>
-              <a:t>Each late day costs 1 point</a:t>
+              <a:t>Each </a:t>
+            </a:r>
+            <a:r>
+              <a:rPr lang="en-US" altLang="zh-CN" dirty="0">
+                <a:solidFill>
+                  <a:srgbClr val="FF0000"/>
+                </a:solidFill>
+              </a:rPr>
+              <a:t>late day </a:t>
+            </a:r>
+            <a:r>
+              <a:rPr lang="en-US" altLang="zh-CN" dirty="0"/>
+              <a:t>costs you </a:t>
+            </a:r>
+            <a:r>
+              <a:rPr lang="en-US" altLang="zh-CN" dirty="0">
+                <a:solidFill>
+                  <a:srgbClr val="FF0000"/>
+                </a:solidFill>
+              </a:rPr>
+              <a:t>1 point</a:t>
             </a:r>
           </a:p>
           <a:p>
@@ -3654,13 +3834,8 @@
             <a:pPr lvl="1"/>
             <a:r>
               <a:rPr lang="en-US" altLang="zh-CN" dirty="0"/>
-              <a:t>Not including the “Notes</a:t>
-            </a:r>
-            <a:r>
-              <a:rPr lang="en-US" altLang="zh-CN"/>
-              <a:t>” in PPT.</a:t>
-            </a:r>
-            <a:endParaRPr lang="en-US" altLang="zh-CN" dirty="0"/>
+              <a:t>Not including the “Notes” in PPT.</a:t>
+            </a:r>
           </a:p>
           <a:p>
             <a:r>
@@ -3680,83 +3855,6 @@
     <p:extLst>
       <p:ext uri="{BB962C8B-B14F-4D97-AF65-F5344CB8AC3E}">
         <p14:creationId xmlns:p14="http://schemas.microsoft.com/office/powerpoint/2010/main" val="1756362631"/>
-      </p:ext>
-    </p:extLst>
-  </p:cSld>
-  <p:clrMapOvr>
-    <a:masterClrMapping/>
-  </p:clrMapOvr>
-</p:sld>
-</file>
-
-<file path=ppt/slides/slide7.xml><?xml version="1.0" encoding="utf-8"?>
-<p:sld xmlns:a="http://schemas.openxmlformats.org/drawingml/2006/main" xmlns:r="http://schemas.openxmlformats.org/officeDocument/2006/relationships" xmlns:p="http://schemas.openxmlformats.org/presentationml/2006/main">
-  <p:cSld>
-    <p:spTree>
-      <p:nvGrpSpPr>
-        <p:cNvPr id="1" name=""/>
-        <p:cNvGrpSpPr/>
-        <p:nvPr/>
-      </p:nvGrpSpPr>
-      <p:grpSpPr>
-        <a:xfrm>
-          <a:off x="0" y="0"/>
-          <a:ext cx="0" cy="0"/>
-          <a:chOff x="0" y="0"/>
-          <a:chExt cx="0" cy="0"/>
-        </a:xfrm>
-      </p:grpSpPr>
-      <p:sp>
-        <p:nvSpPr>
-          <p:cNvPr id="2" name="标题 1"/>
-          <p:cNvSpPr>
-            <a:spLocks noGrp="1"/>
-          </p:cNvSpPr>
-          <p:nvPr>
-            <p:ph type="title"/>
-          </p:nvPr>
-        </p:nvSpPr>
-        <p:spPr/>
-        <p:txBody>
-          <a:bodyPr/>
-          <a:lstStyle/>
-          <a:p>
-            <a:r>
-              <a:rPr lang="zh-CN" altLang="en-US" dirty="0"/>
-              <a:t>点名政策</a:t>
-            </a:r>
-          </a:p>
-        </p:txBody>
-      </p:sp>
-      <p:sp>
-        <p:nvSpPr>
-          <p:cNvPr id="3" name="内容占位符 2"/>
-          <p:cNvSpPr>
-            <a:spLocks noGrp="1"/>
-          </p:cNvSpPr>
-          <p:nvPr>
-            <p:ph idx="1"/>
-          </p:nvPr>
-        </p:nvSpPr>
-        <p:spPr/>
-        <p:txBody>
-          <a:bodyPr>
-            <a:normAutofit/>
-          </a:bodyPr>
-          <a:lstStyle/>
-          <a:p>
-            <a:r>
-              <a:rPr lang="zh-CN" altLang="en-US" sz="3600" dirty="0"/>
-              <a:t>不签到，不点名，可以课下看视频。上课提问回答不计分。</a:t>
-            </a:r>
-            <a:endParaRPr lang="en-US" altLang="zh-CN" sz="3600" dirty="0"/>
-          </a:p>
-        </p:txBody>
-      </p:sp>
-    </p:spTree>
-    <p:extLst>
-      <p:ext uri="{BB962C8B-B14F-4D97-AF65-F5344CB8AC3E}">
-        <p14:creationId xmlns:p14="http://schemas.microsoft.com/office/powerpoint/2010/main" val="3241553957"/>
       </p:ext>
     </p:extLst>
   </p:cSld>

--- a/InfoSec/PPTs/L0-Introduction.pptx
+++ b/InfoSec/PPTs/L0-Introduction.pptx
@@ -261,7 +261,7 @@
             <a:fld id="{999DDEF9-8F79-3F4A-8C1A-CB2E900DCD92}" type="datetimeFigureOut">
               <a:rPr lang="en-US" smtClean="0"/>
               <a:pPr/>
-              <a:t>5/4/2021</a:t>
+              <a:t>3/24/2022</a:t>
             </a:fld>
             <a:endParaRPr lang="en-US"/>
           </a:p>
@@ -3114,8 +3114,15 @@
           </a:lstStyle>
           <a:p>
             <a:r>
+              <a:rPr lang="en-US" altLang="zh-CN" kern="0" dirty="0"/>
+              <a:t>Zonghua Gu</a:t>
+            </a:r>
+            <a:endParaRPr lang="en-US" kern="0" dirty="0"/>
+          </a:p>
+          <a:p>
+            <a:r>
               <a:rPr lang="en-US" kern="0" dirty="0"/>
-              <a:t>ZJU 2021</a:t>
+              <a:t>2018, ZJU</a:t>
             </a:r>
             <a:endParaRPr lang="en-SE" kern="0" dirty="0"/>
           </a:p>

--- a/InfoSec/PPTs/L0-Introduction.pptx
+++ b/InfoSec/PPTs/L0-Introduction.pptx
@@ -261,7 +261,7 @@
             <a:fld id="{999DDEF9-8F79-3F4A-8C1A-CB2E900DCD92}" type="datetimeFigureOut">
               <a:rPr lang="en-US" smtClean="0"/>
               <a:pPr/>
-              <a:t>3/24/2022</a:t>
+              <a:t>3/27/2022</a:t>
             </a:fld>
             <a:endParaRPr lang="en-US"/>
           </a:p>
@@ -3121,8 +3121,12 @@
           </a:p>
           <a:p>
             <a:r>
+              <a:rPr lang="en-US" kern="0"/>
+              <a:t>2017, </a:t>
+            </a:r>
+            <a:r>
               <a:rPr lang="en-US" kern="0" dirty="0"/>
-              <a:t>2018, ZJU</a:t>
+              <a:t>ZJU</a:t>
             </a:r>
             <a:endParaRPr lang="en-SE" kern="0" dirty="0"/>
           </a:p>
